--- a/ppt 16-9/0344.主等你来.pptx
+++ b/ppt 16-9/0344.主等你来.pptx
@@ -5,7 +5,7 @@
     <p:sldMasterId id="2147483648" r:id="rId1"/>
   </p:sldMasterIdLst>
   <p:sldIdLst>
-    <p:sldId id="3245" r:id="rId2"/>
+    <p:sldId id="3246" r:id="rId2"/>
   </p:sldIdLst>
   <p:sldSz cx="12192000" cy="6858000"/>
   <p:notesSz cx="6858000" cy="9144000"/>
@@ -129,7 +129,7 @@
           <p:cNvPr id="2" name="标题 1">
             <a:extLst>
               <a:ext uri="{FF2B5EF4-FFF2-40B4-BE49-F238E27FC236}">
-                <a16:creationId xmlns:a16="http://schemas.microsoft.com/office/drawing/2014/main" id="{1B0AE7D6-AF49-8237-ECD7-D19F2FFB0F8B}"/>
+                <a16:creationId xmlns:a16="http://schemas.microsoft.com/office/drawing/2014/main" id="{F4088686-36D4-ADD9-BF18-3C5A6775DF00}"/>
               </a:ext>
             </a:extLst>
           </p:cNvPr>
@@ -166,7 +166,7 @@
           <p:cNvPr id="3" name="副标题 2">
             <a:extLst>
               <a:ext uri="{FF2B5EF4-FFF2-40B4-BE49-F238E27FC236}">
-                <a16:creationId xmlns:a16="http://schemas.microsoft.com/office/drawing/2014/main" id="{6ECD210E-BC86-90C8-C6E5-7934F17760DD}"/>
+                <a16:creationId xmlns:a16="http://schemas.microsoft.com/office/drawing/2014/main" id="{C589739A-5A13-68C6-4D4C-2CA0002B37A9}"/>
               </a:ext>
             </a:extLst>
           </p:cNvPr>
@@ -236,7 +236,7 @@
           <p:cNvPr id="4" name="日期占位符 3">
             <a:extLst>
               <a:ext uri="{FF2B5EF4-FFF2-40B4-BE49-F238E27FC236}">
-                <a16:creationId xmlns:a16="http://schemas.microsoft.com/office/drawing/2014/main" id="{B28A511A-0177-89CC-0E96-19EA75857D98}"/>
+                <a16:creationId xmlns:a16="http://schemas.microsoft.com/office/drawing/2014/main" id="{956B1B4D-E344-1535-E860-DE5B95B62A58}"/>
               </a:ext>
             </a:extLst>
           </p:cNvPr>
@@ -252,7 +252,7 @@
           <a:bodyPr/>
           <a:lstStyle/>
           <a:p>
-            <a:fld id="{BEF593F1-3187-453D-BB68-1A264B827BD4}" type="datetimeFigureOut">
+            <a:fld id="{74E6B80F-815F-479F-B782-4EB9A2AC079C}" type="datetimeFigureOut">
               <a:rPr lang="zh-CN" altLang="en-US" smtClean="0"/>
               <a:t>2024/3/10</a:t>
             </a:fld>
@@ -265,7 +265,7 @@
           <p:cNvPr id="5" name="页脚占位符 4">
             <a:extLst>
               <a:ext uri="{FF2B5EF4-FFF2-40B4-BE49-F238E27FC236}">
-                <a16:creationId xmlns:a16="http://schemas.microsoft.com/office/drawing/2014/main" id="{ED882BDB-C290-B2A3-50C0-60043F6CDC18}"/>
+                <a16:creationId xmlns:a16="http://schemas.microsoft.com/office/drawing/2014/main" id="{2D6C18F2-ED8A-3B1C-E11D-CCD7794C5142}"/>
               </a:ext>
             </a:extLst>
           </p:cNvPr>
@@ -290,7 +290,7 @@
           <p:cNvPr id="6" name="灯片编号占位符 5">
             <a:extLst>
               <a:ext uri="{FF2B5EF4-FFF2-40B4-BE49-F238E27FC236}">
-                <a16:creationId xmlns:a16="http://schemas.microsoft.com/office/drawing/2014/main" id="{A89F619F-63D6-27FD-02F0-50CE6C14FC0A}"/>
+                <a16:creationId xmlns:a16="http://schemas.microsoft.com/office/drawing/2014/main" id="{9003DEDC-6ABA-DDAC-89EA-1C3D7393ABE7}"/>
               </a:ext>
             </a:extLst>
           </p:cNvPr>
@@ -306,7 +306,7 @@
           <a:bodyPr/>
           <a:lstStyle/>
           <a:p>
-            <a:fld id="{76E5C41E-5AB4-46A5-8AD6-AAE0DB930E64}" type="slidenum">
+            <a:fld id="{AE63E022-C3EB-435F-A517-7AC6631D2DD2}" type="slidenum">
               <a:rPr lang="zh-CN" altLang="en-US" smtClean="0"/>
               <a:t>‹#›</a:t>
             </a:fld>
@@ -317,7 +317,7 @@
     </p:spTree>
     <p:extLst>
       <p:ext uri="{BB962C8B-B14F-4D97-AF65-F5344CB8AC3E}">
-        <p14:creationId xmlns:p14="http://schemas.microsoft.com/office/powerpoint/2010/main" val="4206141974"/>
+        <p14:creationId xmlns:p14="http://schemas.microsoft.com/office/powerpoint/2010/main" val="3219054632"/>
       </p:ext>
     </p:extLst>
   </p:cSld>
@@ -349,7 +349,7 @@
           <p:cNvPr id="2" name="标题 1">
             <a:extLst>
               <a:ext uri="{FF2B5EF4-FFF2-40B4-BE49-F238E27FC236}">
-                <a16:creationId xmlns:a16="http://schemas.microsoft.com/office/drawing/2014/main" id="{843AA8F4-55A2-1114-E52D-8EAB6B55B489}"/>
+                <a16:creationId xmlns:a16="http://schemas.microsoft.com/office/drawing/2014/main" id="{D16339C6-5302-E14B-A298-06871E3A5155}"/>
               </a:ext>
             </a:extLst>
           </p:cNvPr>
@@ -377,7 +377,7 @@
           <p:cNvPr id="3" name="竖排文字占位符 2">
             <a:extLst>
               <a:ext uri="{FF2B5EF4-FFF2-40B4-BE49-F238E27FC236}">
-                <a16:creationId xmlns:a16="http://schemas.microsoft.com/office/drawing/2014/main" id="{B6212E08-4B14-CA66-1044-6E7A55B2F242}"/>
+                <a16:creationId xmlns:a16="http://schemas.microsoft.com/office/drawing/2014/main" id="{0AC0CCDE-9280-9486-8CE9-9C8BC7BD49B0}"/>
               </a:ext>
             </a:extLst>
           </p:cNvPr>
@@ -434,7 +434,7 @@
           <p:cNvPr id="4" name="日期占位符 3">
             <a:extLst>
               <a:ext uri="{FF2B5EF4-FFF2-40B4-BE49-F238E27FC236}">
-                <a16:creationId xmlns:a16="http://schemas.microsoft.com/office/drawing/2014/main" id="{85DC3688-F193-A507-A28B-ECB6EF663E27}"/>
+                <a16:creationId xmlns:a16="http://schemas.microsoft.com/office/drawing/2014/main" id="{37192BEF-D292-3842-0962-DAE60CD9FAFF}"/>
               </a:ext>
             </a:extLst>
           </p:cNvPr>
@@ -450,7 +450,7 @@
           <a:bodyPr/>
           <a:lstStyle/>
           <a:p>
-            <a:fld id="{BEF593F1-3187-453D-BB68-1A264B827BD4}" type="datetimeFigureOut">
+            <a:fld id="{74E6B80F-815F-479F-B782-4EB9A2AC079C}" type="datetimeFigureOut">
               <a:rPr lang="zh-CN" altLang="en-US" smtClean="0"/>
               <a:t>2024/3/10</a:t>
             </a:fld>
@@ -463,7 +463,7 @@
           <p:cNvPr id="5" name="页脚占位符 4">
             <a:extLst>
               <a:ext uri="{FF2B5EF4-FFF2-40B4-BE49-F238E27FC236}">
-                <a16:creationId xmlns:a16="http://schemas.microsoft.com/office/drawing/2014/main" id="{9113E323-C868-85BF-602B-3139EA056F96}"/>
+                <a16:creationId xmlns:a16="http://schemas.microsoft.com/office/drawing/2014/main" id="{4F40AB96-CF73-5AC0-FA2E-54218E0D2B2C}"/>
               </a:ext>
             </a:extLst>
           </p:cNvPr>
@@ -488,7 +488,7 @@
           <p:cNvPr id="6" name="灯片编号占位符 5">
             <a:extLst>
               <a:ext uri="{FF2B5EF4-FFF2-40B4-BE49-F238E27FC236}">
-                <a16:creationId xmlns:a16="http://schemas.microsoft.com/office/drawing/2014/main" id="{F67F854E-869C-BA06-1420-9C8F6291D764}"/>
+                <a16:creationId xmlns:a16="http://schemas.microsoft.com/office/drawing/2014/main" id="{0ED068BE-35D8-1BF1-FFEB-23F355F8CACB}"/>
               </a:ext>
             </a:extLst>
           </p:cNvPr>
@@ -504,7 +504,7 @@
           <a:bodyPr/>
           <a:lstStyle/>
           <a:p>
-            <a:fld id="{76E5C41E-5AB4-46A5-8AD6-AAE0DB930E64}" type="slidenum">
+            <a:fld id="{AE63E022-C3EB-435F-A517-7AC6631D2DD2}" type="slidenum">
               <a:rPr lang="zh-CN" altLang="en-US" smtClean="0"/>
               <a:t>‹#›</a:t>
             </a:fld>
@@ -515,7 +515,7 @@
     </p:spTree>
     <p:extLst>
       <p:ext uri="{BB962C8B-B14F-4D97-AF65-F5344CB8AC3E}">
-        <p14:creationId xmlns:p14="http://schemas.microsoft.com/office/powerpoint/2010/main" val="3576107405"/>
+        <p14:creationId xmlns:p14="http://schemas.microsoft.com/office/powerpoint/2010/main" val="3816890962"/>
       </p:ext>
     </p:extLst>
   </p:cSld>
@@ -547,7 +547,7 @@
           <p:cNvPr id="2" name="竖排标题 1">
             <a:extLst>
               <a:ext uri="{FF2B5EF4-FFF2-40B4-BE49-F238E27FC236}">
-                <a16:creationId xmlns:a16="http://schemas.microsoft.com/office/drawing/2014/main" id="{971E3BC2-DF57-CA47-828D-525681E991F6}"/>
+                <a16:creationId xmlns:a16="http://schemas.microsoft.com/office/drawing/2014/main" id="{F19F17DC-A8F3-9E89-2F89-D6A7DF7D3BF0}"/>
               </a:ext>
             </a:extLst>
           </p:cNvPr>
@@ -580,7 +580,7 @@
           <p:cNvPr id="3" name="竖排文字占位符 2">
             <a:extLst>
               <a:ext uri="{FF2B5EF4-FFF2-40B4-BE49-F238E27FC236}">
-                <a16:creationId xmlns:a16="http://schemas.microsoft.com/office/drawing/2014/main" id="{E653DF65-40BF-594C-1ADF-AB7D96C24F4B}"/>
+                <a16:creationId xmlns:a16="http://schemas.microsoft.com/office/drawing/2014/main" id="{AFE6A2FD-AA5F-B34F-0A2D-BC350C530624}"/>
               </a:ext>
             </a:extLst>
           </p:cNvPr>
@@ -642,7 +642,7 @@
           <p:cNvPr id="4" name="日期占位符 3">
             <a:extLst>
               <a:ext uri="{FF2B5EF4-FFF2-40B4-BE49-F238E27FC236}">
-                <a16:creationId xmlns:a16="http://schemas.microsoft.com/office/drawing/2014/main" id="{D1A8E967-E8B2-422A-5077-6EBCB6692399}"/>
+                <a16:creationId xmlns:a16="http://schemas.microsoft.com/office/drawing/2014/main" id="{8182032E-0E54-35BB-9916-597D04F41629}"/>
               </a:ext>
             </a:extLst>
           </p:cNvPr>
@@ -658,7 +658,7 @@
           <a:bodyPr/>
           <a:lstStyle/>
           <a:p>
-            <a:fld id="{BEF593F1-3187-453D-BB68-1A264B827BD4}" type="datetimeFigureOut">
+            <a:fld id="{74E6B80F-815F-479F-B782-4EB9A2AC079C}" type="datetimeFigureOut">
               <a:rPr lang="zh-CN" altLang="en-US" smtClean="0"/>
               <a:t>2024/3/10</a:t>
             </a:fld>
@@ -671,7 +671,7 @@
           <p:cNvPr id="5" name="页脚占位符 4">
             <a:extLst>
               <a:ext uri="{FF2B5EF4-FFF2-40B4-BE49-F238E27FC236}">
-                <a16:creationId xmlns:a16="http://schemas.microsoft.com/office/drawing/2014/main" id="{DC08C130-C64F-00D2-D2CB-8BB60D021F1F}"/>
+                <a16:creationId xmlns:a16="http://schemas.microsoft.com/office/drawing/2014/main" id="{E9F81EFF-1F17-C2F4-61A6-13CEF609EF55}"/>
               </a:ext>
             </a:extLst>
           </p:cNvPr>
@@ -696,7 +696,7 @@
           <p:cNvPr id="6" name="灯片编号占位符 5">
             <a:extLst>
               <a:ext uri="{FF2B5EF4-FFF2-40B4-BE49-F238E27FC236}">
-                <a16:creationId xmlns:a16="http://schemas.microsoft.com/office/drawing/2014/main" id="{9DD45362-F2E0-8001-A9EA-8D2C0E7F21FD}"/>
+                <a16:creationId xmlns:a16="http://schemas.microsoft.com/office/drawing/2014/main" id="{F086C588-EE4D-68CB-1EDD-744DC83EA2D1}"/>
               </a:ext>
             </a:extLst>
           </p:cNvPr>
@@ -712,7 +712,7 @@
           <a:bodyPr/>
           <a:lstStyle/>
           <a:p>
-            <a:fld id="{76E5C41E-5AB4-46A5-8AD6-AAE0DB930E64}" type="slidenum">
+            <a:fld id="{AE63E022-C3EB-435F-A517-7AC6631D2DD2}" type="slidenum">
               <a:rPr lang="zh-CN" altLang="en-US" smtClean="0"/>
               <a:t>‹#›</a:t>
             </a:fld>
@@ -723,7 +723,7 @@
     </p:spTree>
     <p:extLst>
       <p:ext uri="{BB962C8B-B14F-4D97-AF65-F5344CB8AC3E}">
-        <p14:creationId xmlns:p14="http://schemas.microsoft.com/office/powerpoint/2010/main" val="4160505137"/>
+        <p14:creationId xmlns:p14="http://schemas.microsoft.com/office/powerpoint/2010/main" val="1344058387"/>
       </p:ext>
     </p:extLst>
   </p:cSld>
@@ -755,7 +755,7 @@
           <p:cNvPr id="2" name="标题 1">
             <a:extLst>
               <a:ext uri="{FF2B5EF4-FFF2-40B4-BE49-F238E27FC236}">
-                <a16:creationId xmlns:a16="http://schemas.microsoft.com/office/drawing/2014/main" id="{3B57E297-A38F-4E01-56E6-D1CD9F2F3F73}"/>
+                <a16:creationId xmlns:a16="http://schemas.microsoft.com/office/drawing/2014/main" id="{666FB5A8-5412-BA57-1669-D6F13D270D5E}"/>
               </a:ext>
             </a:extLst>
           </p:cNvPr>
@@ -783,7 +783,7 @@
           <p:cNvPr id="3" name="内容占位符 2">
             <a:extLst>
               <a:ext uri="{FF2B5EF4-FFF2-40B4-BE49-F238E27FC236}">
-                <a16:creationId xmlns:a16="http://schemas.microsoft.com/office/drawing/2014/main" id="{3CFFFECC-ECB5-EF3A-E00A-D08163F0B427}"/>
+                <a16:creationId xmlns:a16="http://schemas.microsoft.com/office/drawing/2014/main" id="{48EABD78-31EB-7EDD-8594-9737A2E882A7}"/>
               </a:ext>
             </a:extLst>
           </p:cNvPr>
@@ -840,7 +840,7 @@
           <p:cNvPr id="4" name="日期占位符 3">
             <a:extLst>
               <a:ext uri="{FF2B5EF4-FFF2-40B4-BE49-F238E27FC236}">
-                <a16:creationId xmlns:a16="http://schemas.microsoft.com/office/drawing/2014/main" id="{3B6598E2-1A32-BFD4-0C4E-95E06AD88EA9}"/>
+                <a16:creationId xmlns:a16="http://schemas.microsoft.com/office/drawing/2014/main" id="{3583B131-5B85-C7EB-BC8F-8BC7C5923468}"/>
               </a:ext>
             </a:extLst>
           </p:cNvPr>
@@ -856,7 +856,7 @@
           <a:bodyPr/>
           <a:lstStyle/>
           <a:p>
-            <a:fld id="{BEF593F1-3187-453D-BB68-1A264B827BD4}" type="datetimeFigureOut">
+            <a:fld id="{74E6B80F-815F-479F-B782-4EB9A2AC079C}" type="datetimeFigureOut">
               <a:rPr lang="zh-CN" altLang="en-US" smtClean="0"/>
               <a:t>2024/3/10</a:t>
             </a:fld>
@@ -869,7 +869,7 @@
           <p:cNvPr id="5" name="页脚占位符 4">
             <a:extLst>
               <a:ext uri="{FF2B5EF4-FFF2-40B4-BE49-F238E27FC236}">
-                <a16:creationId xmlns:a16="http://schemas.microsoft.com/office/drawing/2014/main" id="{2C9DD433-EDD9-CCD2-1329-2C6472E6CDE8}"/>
+                <a16:creationId xmlns:a16="http://schemas.microsoft.com/office/drawing/2014/main" id="{84357336-56CB-2B34-536A-9AB43201C543}"/>
               </a:ext>
             </a:extLst>
           </p:cNvPr>
@@ -894,7 +894,7 @@
           <p:cNvPr id="6" name="灯片编号占位符 5">
             <a:extLst>
               <a:ext uri="{FF2B5EF4-FFF2-40B4-BE49-F238E27FC236}">
-                <a16:creationId xmlns:a16="http://schemas.microsoft.com/office/drawing/2014/main" id="{8BE29F95-9A52-3E86-7C30-2A49BB914051}"/>
+                <a16:creationId xmlns:a16="http://schemas.microsoft.com/office/drawing/2014/main" id="{EE4E22C6-17A5-CE27-AABA-27723C61DD5D}"/>
               </a:ext>
             </a:extLst>
           </p:cNvPr>
@@ -910,7 +910,7 @@
           <a:bodyPr/>
           <a:lstStyle/>
           <a:p>
-            <a:fld id="{76E5C41E-5AB4-46A5-8AD6-AAE0DB930E64}" type="slidenum">
+            <a:fld id="{AE63E022-C3EB-435F-A517-7AC6631D2DD2}" type="slidenum">
               <a:rPr lang="zh-CN" altLang="en-US" smtClean="0"/>
               <a:t>‹#›</a:t>
             </a:fld>
@@ -921,7 +921,7 @@
     </p:spTree>
     <p:extLst>
       <p:ext uri="{BB962C8B-B14F-4D97-AF65-F5344CB8AC3E}">
-        <p14:creationId xmlns:p14="http://schemas.microsoft.com/office/powerpoint/2010/main" val="2733493612"/>
+        <p14:creationId xmlns:p14="http://schemas.microsoft.com/office/powerpoint/2010/main" val="2472458652"/>
       </p:ext>
     </p:extLst>
   </p:cSld>
@@ -953,7 +953,7 @@
           <p:cNvPr id="2" name="标题 1">
             <a:extLst>
               <a:ext uri="{FF2B5EF4-FFF2-40B4-BE49-F238E27FC236}">
-                <a16:creationId xmlns:a16="http://schemas.microsoft.com/office/drawing/2014/main" id="{C23896A9-AD30-E725-B9C2-8FD77C348597}"/>
+                <a16:creationId xmlns:a16="http://schemas.microsoft.com/office/drawing/2014/main" id="{09313CDE-0383-EC05-1B3B-3523CC38172E}"/>
               </a:ext>
             </a:extLst>
           </p:cNvPr>
@@ -990,7 +990,7 @@
           <p:cNvPr id="3" name="文本占位符 2">
             <a:extLst>
               <a:ext uri="{FF2B5EF4-FFF2-40B4-BE49-F238E27FC236}">
-                <a16:creationId xmlns:a16="http://schemas.microsoft.com/office/drawing/2014/main" id="{C35B58C1-156A-3B0F-F568-69C9BAB1A01F}"/>
+                <a16:creationId xmlns:a16="http://schemas.microsoft.com/office/drawing/2014/main" id="{E3D1DDE0-52FB-86A3-0547-7B233A190CD4}"/>
               </a:ext>
             </a:extLst>
           </p:cNvPr>
@@ -1115,7 +1115,7 @@
           <p:cNvPr id="4" name="日期占位符 3">
             <a:extLst>
               <a:ext uri="{FF2B5EF4-FFF2-40B4-BE49-F238E27FC236}">
-                <a16:creationId xmlns:a16="http://schemas.microsoft.com/office/drawing/2014/main" id="{721F4AA3-79FA-72A3-9CED-797E8BCEE518}"/>
+                <a16:creationId xmlns:a16="http://schemas.microsoft.com/office/drawing/2014/main" id="{D352BE60-B43A-2330-A7CC-B99B730AD8DB}"/>
               </a:ext>
             </a:extLst>
           </p:cNvPr>
@@ -1131,7 +1131,7 @@
           <a:bodyPr/>
           <a:lstStyle/>
           <a:p>
-            <a:fld id="{BEF593F1-3187-453D-BB68-1A264B827BD4}" type="datetimeFigureOut">
+            <a:fld id="{74E6B80F-815F-479F-B782-4EB9A2AC079C}" type="datetimeFigureOut">
               <a:rPr lang="zh-CN" altLang="en-US" smtClean="0"/>
               <a:t>2024/3/10</a:t>
             </a:fld>
@@ -1144,7 +1144,7 @@
           <p:cNvPr id="5" name="页脚占位符 4">
             <a:extLst>
               <a:ext uri="{FF2B5EF4-FFF2-40B4-BE49-F238E27FC236}">
-                <a16:creationId xmlns:a16="http://schemas.microsoft.com/office/drawing/2014/main" id="{A73072DE-8248-694D-9D68-5F2D487678E8}"/>
+                <a16:creationId xmlns:a16="http://schemas.microsoft.com/office/drawing/2014/main" id="{66A08859-1DCA-FCA4-1C75-E5961890D56E}"/>
               </a:ext>
             </a:extLst>
           </p:cNvPr>
@@ -1169,7 +1169,7 @@
           <p:cNvPr id="6" name="灯片编号占位符 5">
             <a:extLst>
               <a:ext uri="{FF2B5EF4-FFF2-40B4-BE49-F238E27FC236}">
-                <a16:creationId xmlns:a16="http://schemas.microsoft.com/office/drawing/2014/main" id="{53613F7C-34D9-5647-7E31-E952454224CF}"/>
+                <a16:creationId xmlns:a16="http://schemas.microsoft.com/office/drawing/2014/main" id="{FC7D7273-10E4-6D74-ECB9-74CB55B2F80A}"/>
               </a:ext>
             </a:extLst>
           </p:cNvPr>
@@ -1185,7 +1185,7 @@
           <a:bodyPr/>
           <a:lstStyle/>
           <a:p>
-            <a:fld id="{76E5C41E-5AB4-46A5-8AD6-AAE0DB930E64}" type="slidenum">
+            <a:fld id="{AE63E022-C3EB-435F-A517-7AC6631D2DD2}" type="slidenum">
               <a:rPr lang="zh-CN" altLang="en-US" smtClean="0"/>
               <a:t>‹#›</a:t>
             </a:fld>
@@ -1196,7 +1196,7 @@
     </p:spTree>
     <p:extLst>
       <p:ext uri="{BB962C8B-B14F-4D97-AF65-F5344CB8AC3E}">
-        <p14:creationId xmlns:p14="http://schemas.microsoft.com/office/powerpoint/2010/main" val="142550118"/>
+        <p14:creationId xmlns:p14="http://schemas.microsoft.com/office/powerpoint/2010/main" val="2439602771"/>
       </p:ext>
     </p:extLst>
   </p:cSld>
@@ -1228,7 +1228,7 @@
           <p:cNvPr id="2" name="标题 1">
             <a:extLst>
               <a:ext uri="{FF2B5EF4-FFF2-40B4-BE49-F238E27FC236}">
-                <a16:creationId xmlns:a16="http://schemas.microsoft.com/office/drawing/2014/main" id="{EA5D6639-499A-3A0A-4CAD-2CCC1C05C079}"/>
+                <a16:creationId xmlns:a16="http://schemas.microsoft.com/office/drawing/2014/main" id="{96B0DDAA-9DD3-3EEF-534D-0CF3A1AB92B4}"/>
               </a:ext>
             </a:extLst>
           </p:cNvPr>
@@ -1256,7 +1256,7 @@
           <p:cNvPr id="3" name="内容占位符 2">
             <a:extLst>
               <a:ext uri="{FF2B5EF4-FFF2-40B4-BE49-F238E27FC236}">
-                <a16:creationId xmlns:a16="http://schemas.microsoft.com/office/drawing/2014/main" id="{7C005CC8-D8CC-ADE3-384C-D9EB905AA12E}"/>
+                <a16:creationId xmlns:a16="http://schemas.microsoft.com/office/drawing/2014/main" id="{1533CA93-D9E7-7A82-E26D-5381524FA714}"/>
               </a:ext>
             </a:extLst>
           </p:cNvPr>
@@ -1318,7 +1318,7 @@
           <p:cNvPr id="4" name="内容占位符 3">
             <a:extLst>
               <a:ext uri="{FF2B5EF4-FFF2-40B4-BE49-F238E27FC236}">
-                <a16:creationId xmlns:a16="http://schemas.microsoft.com/office/drawing/2014/main" id="{1D18AA88-B4BC-C894-1563-E342086468B5}"/>
+                <a16:creationId xmlns:a16="http://schemas.microsoft.com/office/drawing/2014/main" id="{4F566AC3-2CF2-EA54-90AF-3387FD7DA472}"/>
               </a:ext>
             </a:extLst>
           </p:cNvPr>
@@ -1380,7 +1380,7 @@
           <p:cNvPr id="5" name="日期占位符 4">
             <a:extLst>
               <a:ext uri="{FF2B5EF4-FFF2-40B4-BE49-F238E27FC236}">
-                <a16:creationId xmlns:a16="http://schemas.microsoft.com/office/drawing/2014/main" id="{5E290733-00CD-4A21-9EB3-9B56C0604AEE}"/>
+                <a16:creationId xmlns:a16="http://schemas.microsoft.com/office/drawing/2014/main" id="{E2615AB0-BE21-E633-2D3A-3DAB0F0C8960}"/>
               </a:ext>
             </a:extLst>
           </p:cNvPr>
@@ -1396,7 +1396,7 @@
           <a:bodyPr/>
           <a:lstStyle/>
           <a:p>
-            <a:fld id="{BEF593F1-3187-453D-BB68-1A264B827BD4}" type="datetimeFigureOut">
+            <a:fld id="{74E6B80F-815F-479F-B782-4EB9A2AC079C}" type="datetimeFigureOut">
               <a:rPr lang="zh-CN" altLang="en-US" smtClean="0"/>
               <a:t>2024/3/10</a:t>
             </a:fld>
@@ -1409,7 +1409,7 @@
           <p:cNvPr id="6" name="页脚占位符 5">
             <a:extLst>
               <a:ext uri="{FF2B5EF4-FFF2-40B4-BE49-F238E27FC236}">
-                <a16:creationId xmlns:a16="http://schemas.microsoft.com/office/drawing/2014/main" id="{8DCF0083-AF3D-47C6-C019-438D2C60D0D1}"/>
+                <a16:creationId xmlns:a16="http://schemas.microsoft.com/office/drawing/2014/main" id="{AA7F2773-0A93-84F0-A8E3-D0AB0F738642}"/>
               </a:ext>
             </a:extLst>
           </p:cNvPr>
@@ -1434,7 +1434,7 @@
           <p:cNvPr id="7" name="灯片编号占位符 6">
             <a:extLst>
               <a:ext uri="{FF2B5EF4-FFF2-40B4-BE49-F238E27FC236}">
-                <a16:creationId xmlns:a16="http://schemas.microsoft.com/office/drawing/2014/main" id="{4F19DCAB-284C-58C6-6754-75B1DDD88FB7}"/>
+                <a16:creationId xmlns:a16="http://schemas.microsoft.com/office/drawing/2014/main" id="{803239C8-C3BF-E291-F7F0-083CC3842EBF}"/>
               </a:ext>
             </a:extLst>
           </p:cNvPr>
@@ -1450,7 +1450,7 @@
           <a:bodyPr/>
           <a:lstStyle/>
           <a:p>
-            <a:fld id="{76E5C41E-5AB4-46A5-8AD6-AAE0DB930E64}" type="slidenum">
+            <a:fld id="{AE63E022-C3EB-435F-A517-7AC6631D2DD2}" type="slidenum">
               <a:rPr lang="zh-CN" altLang="en-US" smtClean="0"/>
               <a:t>‹#›</a:t>
             </a:fld>
@@ -1461,7 +1461,7 @@
     </p:spTree>
     <p:extLst>
       <p:ext uri="{BB962C8B-B14F-4D97-AF65-F5344CB8AC3E}">
-        <p14:creationId xmlns:p14="http://schemas.microsoft.com/office/powerpoint/2010/main" val="3388549839"/>
+        <p14:creationId xmlns:p14="http://schemas.microsoft.com/office/powerpoint/2010/main" val="44668930"/>
       </p:ext>
     </p:extLst>
   </p:cSld>
@@ -1493,7 +1493,7 @@
           <p:cNvPr id="2" name="标题 1">
             <a:extLst>
               <a:ext uri="{FF2B5EF4-FFF2-40B4-BE49-F238E27FC236}">
-                <a16:creationId xmlns:a16="http://schemas.microsoft.com/office/drawing/2014/main" id="{565C599D-2B84-AADC-8F2D-E8CA55FE308B}"/>
+                <a16:creationId xmlns:a16="http://schemas.microsoft.com/office/drawing/2014/main" id="{E82F2C00-29FA-CAA3-CAF9-25A0E9DD7F48}"/>
               </a:ext>
             </a:extLst>
           </p:cNvPr>
@@ -1526,7 +1526,7 @@
           <p:cNvPr id="3" name="文本占位符 2">
             <a:extLst>
               <a:ext uri="{FF2B5EF4-FFF2-40B4-BE49-F238E27FC236}">
-                <a16:creationId xmlns:a16="http://schemas.microsoft.com/office/drawing/2014/main" id="{65F568F8-B194-BB27-67D1-26BEBF0A4A22}"/>
+                <a16:creationId xmlns:a16="http://schemas.microsoft.com/office/drawing/2014/main" id="{1D949262-15A3-E2A5-E763-76FB872879AE}"/>
               </a:ext>
             </a:extLst>
           </p:cNvPr>
@@ -1597,7 +1597,7 @@
           <p:cNvPr id="4" name="内容占位符 3">
             <a:extLst>
               <a:ext uri="{FF2B5EF4-FFF2-40B4-BE49-F238E27FC236}">
-                <a16:creationId xmlns:a16="http://schemas.microsoft.com/office/drawing/2014/main" id="{7B1F65C8-7B84-1ADE-0A02-B5522E7A943F}"/>
+                <a16:creationId xmlns:a16="http://schemas.microsoft.com/office/drawing/2014/main" id="{05A5CED9-6344-FB7B-9CF3-D8DC6632BFCD}"/>
               </a:ext>
             </a:extLst>
           </p:cNvPr>
@@ -1659,7 +1659,7 @@
           <p:cNvPr id="5" name="文本占位符 4">
             <a:extLst>
               <a:ext uri="{FF2B5EF4-FFF2-40B4-BE49-F238E27FC236}">
-                <a16:creationId xmlns:a16="http://schemas.microsoft.com/office/drawing/2014/main" id="{25DB39AB-0609-5643-CA2A-9220E10DBAA1}"/>
+                <a16:creationId xmlns:a16="http://schemas.microsoft.com/office/drawing/2014/main" id="{12F9E730-F2CF-546A-E147-EA62A7D78C0D}"/>
               </a:ext>
             </a:extLst>
           </p:cNvPr>
@@ -1730,7 +1730,7 @@
           <p:cNvPr id="6" name="内容占位符 5">
             <a:extLst>
               <a:ext uri="{FF2B5EF4-FFF2-40B4-BE49-F238E27FC236}">
-                <a16:creationId xmlns:a16="http://schemas.microsoft.com/office/drawing/2014/main" id="{D505E848-AAD1-0E80-2A80-BD3D46A2D6B4}"/>
+                <a16:creationId xmlns:a16="http://schemas.microsoft.com/office/drawing/2014/main" id="{EAE222EC-B138-5F1F-C831-E22B0AEDB18D}"/>
               </a:ext>
             </a:extLst>
           </p:cNvPr>
@@ -1792,7 +1792,7 @@
           <p:cNvPr id="7" name="日期占位符 6">
             <a:extLst>
               <a:ext uri="{FF2B5EF4-FFF2-40B4-BE49-F238E27FC236}">
-                <a16:creationId xmlns:a16="http://schemas.microsoft.com/office/drawing/2014/main" id="{9DCAB3A0-DDE0-BBC8-86E6-0A73C6A2574A}"/>
+                <a16:creationId xmlns:a16="http://schemas.microsoft.com/office/drawing/2014/main" id="{1DFD5C64-5120-E0C2-AEB3-0981DEE84669}"/>
               </a:ext>
             </a:extLst>
           </p:cNvPr>
@@ -1808,7 +1808,7 @@
           <a:bodyPr/>
           <a:lstStyle/>
           <a:p>
-            <a:fld id="{BEF593F1-3187-453D-BB68-1A264B827BD4}" type="datetimeFigureOut">
+            <a:fld id="{74E6B80F-815F-479F-B782-4EB9A2AC079C}" type="datetimeFigureOut">
               <a:rPr lang="zh-CN" altLang="en-US" smtClean="0"/>
               <a:t>2024/3/10</a:t>
             </a:fld>
@@ -1821,7 +1821,7 @@
           <p:cNvPr id="8" name="页脚占位符 7">
             <a:extLst>
               <a:ext uri="{FF2B5EF4-FFF2-40B4-BE49-F238E27FC236}">
-                <a16:creationId xmlns:a16="http://schemas.microsoft.com/office/drawing/2014/main" id="{2731E373-6EC3-AB06-155A-5C4129391896}"/>
+                <a16:creationId xmlns:a16="http://schemas.microsoft.com/office/drawing/2014/main" id="{1C49A15F-471F-857F-ECA8-1492EAB6C7CC}"/>
               </a:ext>
             </a:extLst>
           </p:cNvPr>
@@ -1846,7 +1846,7 @@
           <p:cNvPr id="9" name="灯片编号占位符 8">
             <a:extLst>
               <a:ext uri="{FF2B5EF4-FFF2-40B4-BE49-F238E27FC236}">
-                <a16:creationId xmlns:a16="http://schemas.microsoft.com/office/drawing/2014/main" id="{E09C1847-AC6B-51DC-077F-CBE4C93881B4}"/>
+                <a16:creationId xmlns:a16="http://schemas.microsoft.com/office/drawing/2014/main" id="{4D09094E-1B7A-1E1B-6397-A35876AA51B9}"/>
               </a:ext>
             </a:extLst>
           </p:cNvPr>
@@ -1862,7 +1862,7 @@
           <a:bodyPr/>
           <a:lstStyle/>
           <a:p>
-            <a:fld id="{76E5C41E-5AB4-46A5-8AD6-AAE0DB930E64}" type="slidenum">
+            <a:fld id="{AE63E022-C3EB-435F-A517-7AC6631D2DD2}" type="slidenum">
               <a:rPr lang="zh-CN" altLang="en-US" smtClean="0"/>
               <a:t>‹#›</a:t>
             </a:fld>
@@ -1873,7 +1873,7 @@
     </p:spTree>
     <p:extLst>
       <p:ext uri="{BB962C8B-B14F-4D97-AF65-F5344CB8AC3E}">
-        <p14:creationId xmlns:p14="http://schemas.microsoft.com/office/powerpoint/2010/main" val="3563351438"/>
+        <p14:creationId xmlns:p14="http://schemas.microsoft.com/office/powerpoint/2010/main" val="1953426409"/>
       </p:ext>
     </p:extLst>
   </p:cSld>
@@ -1905,7 +1905,7 @@
           <p:cNvPr id="2" name="标题 1">
             <a:extLst>
               <a:ext uri="{FF2B5EF4-FFF2-40B4-BE49-F238E27FC236}">
-                <a16:creationId xmlns:a16="http://schemas.microsoft.com/office/drawing/2014/main" id="{55091F16-97C7-81EF-66C1-14DE5EFBD0FD}"/>
+                <a16:creationId xmlns:a16="http://schemas.microsoft.com/office/drawing/2014/main" id="{DA1735C0-0133-CE7C-3C39-7F01DF78448D}"/>
               </a:ext>
             </a:extLst>
           </p:cNvPr>
@@ -1933,7 +1933,7 @@
           <p:cNvPr id="3" name="日期占位符 2">
             <a:extLst>
               <a:ext uri="{FF2B5EF4-FFF2-40B4-BE49-F238E27FC236}">
-                <a16:creationId xmlns:a16="http://schemas.microsoft.com/office/drawing/2014/main" id="{20A9B447-1646-5C73-0852-D6CB7130298D}"/>
+                <a16:creationId xmlns:a16="http://schemas.microsoft.com/office/drawing/2014/main" id="{B18D8E6A-0411-90FE-C59F-6215C240239A}"/>
               </a:ext>
             </a:extLst>
           </p:cNvPr>
@@ -1949,7 +1949,7 @@
           <a:bodyPr/>
           <a:lstStyle/>
           <a:p>
-            <a:fld id="{BEF593F1-3187-453D-BB68-1A264B827BD4}" type="datetimeFigureOut">
+            <a:fld id="{74E6B80F-815F-479F-B782-4EB9A2AC079C}" type="datetimeFigureOut">
               <a:rPr lang="zh-CN" altLang="en-US" smtClean="0"/>
               <a:t>2024/3/10</a:t>
             </a:fld>
@@ -1962,7 +1962,7 @@
           <p:cNvPr id="4" name="页脚占位符 3">
             <a:extLst>
               <a:ext uri="{FF2B5EF4-FFF2-40B4-BE49-F238E27FC236}">
-                <a16:creationId xmlns:a16="http://schemas.microsoft.com/office/drawing/2014/main" id="{A913417D-D286-9678-5D9D-EB79A2B276FE}"/>
+                <a16:creationId xmlns:a16="http://schemas.microsoft.com/office/drawing/2014/main" id="{E0FAD09B-DFAD-587A-6618-814067BFF3A9}"/>
               </a:ext>
             </a:extLst>
           </p:cNvPr>
@@ -1987,7 +1987,7 @@
           <p:cNvPr id="5" name="灯片编号占位符 4">
             <a:extLst>
               <a:ext uri="{FF2B5EF4-FFF2-40B4-BE49-F238E27FC236}">
-                <a16:creationId xmlns:a16="http://schemas.microsoft.com/office/drawing/2014/main" id="{38571CC1-AF9F-A5B7-38BC-BA671D854B98}"/>
+                <a16:creationId xmlns:a16="http://schemas.microsoft.com/office/drawing/2014/main" id="{5C689362-166A-A594-C7A6-97C205013F7F}"/>
               </a:ext>
             </a:extLst>
           </p:cNvPr>
@@ -2003,7 +2003,7 @@
           <a:bodyPr/>
           <a:lstStyle/>
           <a:p>
-            <a:fld id="{76E5C41E-5AB4-46A5-8AD6-AAE0DB930E64}" type="slidenum">
+            <a:fld id="{AE63E022-C3EB-435F-A517-7AC6631D2DD2}" type="slidenum">
               <a:rPr lang="zh-CN" altLang="en-US" smtClean="0"/>
               <a:t>‹#›</a:t>
             </a:fld>
@@ -2014,7 +2014,7 @@
     </p:spTree>
     <p:extLst>
       <p:ext uri="{BB962C8B-B14F-4D97-AF65-F5344CB8AC3E}">
-        <p14:creationId xmlns:p14="http://schemas.microsoft.com/office/powerpoint/2010/main" val="2281688372"/>
+        <p14:creationId xmlns:p14="http://schemas.microsoft.com/office/powerpoint/2010/main" val="1091765611"/>
       </p:ext>
     </p:extLst>
   </p:cSld>
@@ -2046,7 +2046,7 @@
           <p:cNvPr id="2" name="日期占位符 1">
             <a:extLst>
               <a:ext uri="{FF2B5EF4-FFF2-40B4-BE49-F238E27FC236}">
-                <a16:creationId xmlns:a16="http://schemas.microsoft.com/office/drawing/2014/main" id="{6EC7403F-502C-734A-A420-6FA0EE2F4220}"/>
+                <a16:creationId xmlns:a16="http://schemas.microsoft.com/office/drawing/2014/main" id="{1288346E-F034-C527-4046-5EB9AFCD7CE6}"/>
               </a:ext>
             </a:extLst>
           </p:cNvPr>
@@ -2062,7 +2062,7 @@
           <a:bodyPr/>
           <a:lstStyle/>
           <a:p>
-            <a:fld id="{BEF593F1-3187-453D-BB68-1A264B827BD4}" type="datetimeFigureOut">
+            <a:fld id="{74E6B80F-815F-479F-B782-4EB9A2AC079C}" type="datetimeFigureOut">
               <a:rPr lang="zh-CN" altLang="en-US" smtClean="0"/>
               <a:t>2024/3/10</a:t>
             </a:fld>
@@ -2075,7 +2075,7 @@
           <p:cNvPr id="3" name="页脚占位符 2">
             <a:extLst>
               <a:ext uri="{FF2B5EF4-FFF2-40B4-BE49-F238E27FC236}">
-                <a16:creationId xmlns:a16="http://schemas.microsoft.com/office/drawing/2014/main" id="{5A1B68EB-71C7-5727-DB1C-33B03C28F94B}"/>
+                <a16:creationId xmlns:a16="http://schemas.microsoft.com/office/drawing/2014/main" id="{FF52ACC1-1741-FD74-EA61-8C5344D27ED1}"/>
               </a:ext>
             </a:extLst>
           </p:cNvPr>
@@ -2100,7 +2100,7 @@
           <p:cNvPr id="4" name="灯片编号占位符 3">
             <a:extLst>
               <a:ext uri="{FF2B5EF4-FFF2-40B4-BE49-F238E27FC236}">
-                <a16:creationId xmlns:a16="http://schemas.microsoft.com/office/drawing/2014/main" id="{64343F6A-EF64-76EE-379E-724FF09886DE}"/>
+                <a16:creationId xmlns:a16="http://schemas.microsoft.com/office/drawing/2014/main" id="{92495ABD-A674-0791-D432-8A7644D103C5}"/>
               </a:ext>
             </a:extLst>
           </p:cNvPr>
@@ -2116,7 +2116,7 @@
           <a:bodyPr/>
           <a:lstStyle/>
           <a:p>
-            <a:fld id="{76E5C41E-5AB4-46A5-8AD6-AAE0DB930E64}" type="slidenum">
+            <a:fld id="{AE63E022-C3EB-435F-A517-7AC6631D2DD2}" type="slidenum">
               <a:rPr lang="zh-CN" altLang="en-US" smtClean="0"/>
               <a:t>‹#›</a:t>
             </a:fld>
@@ -2127,7 +2127,7 @@
     </p:spTree>
     <p:extLst>
       <p:ext uri="{BB962C8B-B14F-4D97-AF65-F5344CB8AC3E}">
-        <p14:creationId xmlns:p14="http://schemas.microsoft.com/office/powerpoint/2010/main" val="556669021"/>
+        <p14:creationId xmlns:p14="http://schemas.microsoft.com/office/powerpoint/2010/main" val="13880714"/>
       </p:ext>
     </p:extLst>
   </p:cSld>
@@ -2159,7 +2159,7 @@
           <p:cNvPr id="2" name="标题 1">
             <a:extLst>
               <a:ext uri="{FF2B5EF4-FFF2-40B4-BE49-F238E27FC236}">
-                <a16:creationId xmlns:a16="http://schemas.microsoft.com/office/drawing/2014/main" id="{19C180C3-A9E8-3802-527D-EDAE17374944}"/>
+                <a16:creationId xmlns:a16="http://schemas.microsoft.com/office/drawing/2014/main" id="{C7B60463-60FE-CD36-ACD3-78A232A5BCEA}"/>
               </a:ext>
             </a:extLst>
           </p:cNvPr>
@@ -2196,7 +2196,7 @@
           <p:cNvPr id="3" name="内容占位符 2">
             <a:extLst>
               <a:ext uri="{FF2B5EF4-FFF2-40B4-BE49-F238E27FC236}">
-                <a16:creationId xmlns:a16="http://schemas.microsoft.com/office/drawing/2014/main" id="{33A39EE8-B740-8815-6752-6E4B22FCC8FA}"/>
+                <a16:creationId xmlns:a16="http://schemas.microsoft.com/office/drawing/2014/main" id="{A3F64E18-392B-D922-90E5-70898E37C491}"/>
               </a:ext>
             </a:extLst>
           </p:cNvPr>
@@ -2286,7 +2286,7 @@
           <p:cNvPr id="4" name="文本占位符 3">
             <a:extLst>
               <a:ext uri="{FF2B5EF4-FFF2-40B4-BE49-F238E27FC236}">
-                <a16:creationId xmlns:a16="http://schemas.microsoft.com/office/drawing/2014/main" id="{F6CF27EA-AED6-BFA3-F73D-111B7D082F0C}"/>
+                <a16:creationId xmlns:a16="http://schemas.microsoft.com/office/drawing/2014/main" id="{E984009E-C5B9-29A0-9706-45CDA8919847}"/>
               </a:ext>
             </a:extLst>
           </p:cNvPr>
@@ -2357,7 +2357,7 @@
           <p:cNvPr id="5" name="日期占位符 4">
             <a:extLst>
               <a:ext uri="{FF2B5EF4-FFF2-40B4-BE49-F238E27FC236}">
-                <a16:creationId xmlns:a16="http://schemas.microsoft.com/office/drawing/2014/main" id="{EBEF29B9-BE65-93B1-6BDC-A60AB8CD48C8}"/>
+                <a16:creationId xmlns:a16="http://schemas.microsoft.com/office/drawing/2014/main" id="{8A02CF1C-9781-3FED-497E-E8ABA12D9D12}"/>
               </a:ext>
             </a:extLst>
           </p:cNvPr>
@@ -2373,7 +2373,7 @@
           <a:bodyPr/>
           <a:lstStyle/>
           <a:p>
-            <a:fld id="{BEF593F1-3187-453D-BB68-1A264B827BD4}" type="datetimeFigureOut">
+            <a:fld id="{74E6B80F-815F-479F-B782-4EB9A2AC079C}" type="datetimeFigureOut">
               <a:rPr lang="zh-CN" altLang="en-US" smtClean="0"/>
               <a:t>2024/3/10</a:t>
             </a:fld>
@@ -2386,7 +2386,7 @@
           <p:cNvPr id="6" name="页脚占位符 5">
             <a:extLst>
               <a:ext uri="{FF2B5EF4-FFF2-40B4-BE49-F238E27FC236}">
-                <a16:creationId xmlns:a16="http://schemas.microsoft.com/office/drawing/2014/main" id="{538AE20E-EBC6-0405-B2C4-06A250FD6BE4}"/>
+                <a16:creationId xmlns:a16="http://schemas.microsoft.com/office/drawing/2014/main" id="{8F92100D-28E7-A48A-DE26-07F095B6E7DE}"/>
               </a:ext>
             </a:extLst>
           </p:cNvPr>
@@ -2411,7 +2411,7 @@
           <p:cNvPr id="7" name="灯片编号占位符 6">
             <a:extLst>
               <a:ext uri="{FF2B5EF4-FFF2-40B4-BE49-F238E27FC236}">
-                <a16:creationId xmlns:a16="http://schemas.microsoft.com/office/drawing/2014/main" id="{341D3916-88F4-3282-4BFF-70C28DB081A6}"/>
+                <a16:creationId xmlns:a16="http://schemas.microsoft.com/office/drawing/2014/main" id="{64CA5310-823C-A308-2233-F327198B588F}"/>
               </a:ext>
             </a:extLst>
           </p:cNvPr>
@@ -2427,7 +2427,7 @@
           <a:bodyPr/>
           <a:lstStyle/>
           <a:p>
-            <a:fld id="{76E5C41E-5AB4-46A5-8AD6-AAE0DB930E64}" type="slidenum">
+            <a:fld id="{AE63E022-C3EB-435F-A517-7AC6631D2DD2}" type="slidenum">
               <a:rPr lang="zh-CN" altLang="en-US" smtClean="0"/>
               <a:t>‹#›</a:t>
             </a:fld>
@@ -2438,7 +2438,7 @@
     </p:spTree>
     <p:extLst>
       <p:ext uri="{BB962C8B-B14F-4D97-AF65-F5344CB8AC3E}">
-        <p14:creationId xmlns:p14="http://schemas.microsoft.com/office/powerpoint/2010/main" val="3531468164"/>
+        <p14:creationId xmlns:p14="http://schemas.microsoft.com/office/powerpoint/2010/main" val="1662720992"/>
       </p:ext>
     </p:extLst>
   </p:cSld>
@@ -2470,7 +2470,7 @@
           <p:cNvPr id="2" name="标题 1">
             <a:extLst>
               <a:ext uri="{FF2B5EF4-FFF2-40B4-BE49-F238E27FC236}">
-                <a16:creationId xmlns:a16="http://schemas.microsoft.com/office/drawing/2014/main" id="{53BD51A7-DF1D-00A0-1771-691C6DD79869}"/>
+                <a16:creationId xmlns:a16="http://schemas.microsoft.com/office/drawing/2014/main" id="{5D307BC9-80E4-7323-17BF-D34FA8FCAAAE}"/>
               </a:ext>
             </a:extLst>
           </p:cNvPr>
@@ -2507,7 +2507,7 @@
           <p:cNvPr id="3" name="图片占位符 2">
             <a:extLst>
               <a:ext uri="{FF2B5EF4-FFF2-40B4-BE49-F238E27FC236}">
-                <a16:creationId xmlns:a16="http://schemas.microsoft.com/office/drawing/2014/main" id="{7D2878E0-A2F7-A72C-C57A-D44BE4A6D5C0}"/>
+                <a16:creationId xmlns:a16="http://schemas.microsoft.com/office/drawing/2014/main" id="{A24619A9-6ECB-EFED-9D78-BFEE17E4101A}"/>
               </a:ext>
             </a:extLst>
           </p:cNvPr>
@@ -2574,7 +2574,7 @@
           <p:cNvPr id="4" name="文本占位符 3">
             <a:extLst>
               <a:ext uri="{FF2B5EF4-FFF2-40B4-BE49-F238E27FC236}">
-                <a16:creationId xmlns:a16="http://schemas.microsoft.com/office/drawing/2014/main" id="{C3B225C4-1BFC-98E4-027B-17BBDB04FF0E}"/>
+                <a16:creationId xmlns:a16="http://schemas.microsoft.com/office/drawing/2014/main" id="{0BA5146A-239F-C105-7700-864BED521211}"/>
               </a:ext>
             </a:extLst>
           </p:cNvPr>
@@ -2645,7 +2645,7 @@
           <p:cNvPr id="5" name="日期占位符 4">
             <a:extLst>
               <a:ext uri="{FF2B5EF4-FFF2-40B4-BE49-F238E27FC236}">
-                <a16:creationId xmlns:a16="http://schemas.microsoft.com/office/drawing/2014/main" id="{B1BA9036-3C96-3A30-7E21-B2C8514ED225}"/>
+                <a16:creationId xmlns:a16="http://schemas.microsoft.com/office/drawing/2014/main" id="{9CD0D804-3B5E-9DDF-CCAE-F1DC7AE7948E}"/>
               </a:ext>
             </a:extLst>
           </p:cNvPr>
@@ -2661,7 +2661,7 @@
           <a:bodyPr/>
           <a:lstStyle/>
           <a:p>
-            <a:fld id="{BEF593F1-3187-453D-BB68-1A264B827BD4}" type="datetimeFigureOut">
+            <a:fld id="{74E6B80F-815F-479F-B782-4EB9A2AC079C}" type="datetimeFigureOut">
               <a:rPr lang="zh-CN" altLang="en-US" smtClean="0"/>
               <a:t>2024/3/10</a:t>
             </a:fld>
@@ -2674,7 +2674,7 @@
           <p:cNvPr id="6" name="页脚占位符 5">
             <a:extLst>
               <a:ext uri="{FF2B5EF4-FFF2-40B4-BE49-F238E27FC236}">
-                <a16:creationId xmlns:a16="http://schemas.microsoft.com/office/drawing/2014/main" id="{22BE61E7-CDBA-36F2-EDEC-6CEB77E363A0}"/>
+                <a16:creationId xmlns:a16="http://schemas.microsoft.com/office/drawing/2014/main" id="{6E0DDF01-0BAF-5117-66E1-895939B7C031}"/>
               </a:ext>
             </a:extLst>
           </p:cNvPr>
@@ -2699,7 +2699,7 @@
           <p:cNvPr id="7" name="灯片编号占位符 6">
             <a:extLst>
               <a:ext uri="{FF2B5EF4-FFF2-40B4-BE49-F238E27FC236}">
-                <a16:creationId xmlns:a16="http://schemas.microsoft.com/office/drawing/2014/main" id="{321B1442-E4BF-BA09-B63A-80FD0DF796D8}"/>
+                <a16:creationId xmlns:a16="http://schemas.microsoft.com/office/drawing/2014/main" id="{C9BCD747-9D27-6F11-91F3-A8D8AB51F023}"/>
               </a:ext>
             </a:extLst>
           </p:cNvPr>
@@ -2715,7 +2715,7 @@
           <a:bodyPr/>
           <a:lstStyle/>
           <a:p>
-            <a:fld id="{76E5C41E-5AB4-46A5-8AD6-AAE0DB930E64}" type="slidenum">
+            <a:fld id="{AE63E022-C3EB-435F-A517-7AC6631D2DD2}" type="slidenum">
               <a:rPr lang="zh-CN" altLang="en-US" smtClean="0"/>
               <a:t>‹#›</a:t>
             </a:fld>
@@ -2726,7 +2726,7 @@
     </p:spTree>
     <p:extLst>
       <p:ext uri="{BB962C8B-B14F-4D97-AF65-F5344CB8AC3E}">
-        <p14:creationId xmlns:p14="http://schemas.microsoft.com/office/powerpoint/2010/main" val="428354441"/>
+        <p14:creationId xmlns:p14="http://schemas.microsoft.com/office/powerpoint/2010/main" val="3275842450"/>
       </p:ext>
     </p:extLst>
   </p:cSld>
@@ -2763,7 +2763,7 @@
           <p:cNvPr id="2" name="标题占位符 1">
             <a:extLst>
               <a:ext uri="{FF2B5EF4-FFF2-40B4-BE49-F238E27FC236}">
-                <a16:creationId xmlns:a16="http://schemas.microsoft.com/office/drawing/2014/main" id="{169BB9C1-1BBD-8D75-0569-9D13559479FD}"/>
+                <a16:creationId xmlns:a16="http://schemas.microsoft.com/office/drawing/2014/main" id="{71C32B6C-59CA-51F3-F79C-060506775052}"/>
               </a:ext>
             </a:extLst>
           </p:cNvPr>
@@ -2801,7 +2801,7 @@
           <p:cNvPr id="3" name="文本占位符 2">
             <a:extLst>
               <a:ext uri="{FF2B5EF4-FFF2-40B4-BE49-F238E27FC236}">
-                <a16:creationId xmlns:a16="http://schemas.microsoft.com/office/drawing/2014/main" id="{7FDCA692-15ED-B791-0D68-F95EB6515D19}"/>
+                <a16:creationId xmlns:a16="http://schemas.microsoft.com/office/drawing/2014/main" id="{E7E4B0A4-362E-5B2C-3FE4-A8F9FA291EDD}"/>
               </a:ext>
             </a:extLst>
           </p:cNvPr>
@@ -2868,7 +2868,7 @@
           <p:cNvPr id="4" name="日期占位符 3">
             <a:extLst>
               <a:ext uri="{FF2B5EF4-FFF2-40B4-BE49-F238E27FC236}">
-                <a16:creationId xmlns:a16="http://schemas.microsoft.com/office/drawing/2014/main" id="{768CCFBF-B4D6-FFE1-165D-389D7D1F4AAF}"/>
+                <a16:creationId xmlns:a16="http://schemas.microsoft.com/office/drawing/2014/main" id="{7BA91F1F-41B1-8E7D-DFC4-A2B02FC31C4E}"/>
               </a:ext>
             </a:extLst>
           </p:cNvPr>
@@ -2902,7 +2902,7 @@
             </a:lvl1pPr>
           </a:lstStyle>
           <a:p>
-            <a:fld id="{BEF593F1-3187-453D-BB68-1A264B827BD4}" type="datetimeFigureOut">
+            <a:fld id="{74E6B80F-815F-479F-B782-4EB9A2AC079C}" type="datetimeFigureOut">
               <a:rPr lang="zh-CN" altLang="en-US" smtClean="0"/>
               <a:t>2024/3/10</a:t>
             </a:fld>
@@ -2915,7 +2915,7 @@
           <p:cNvPr id="5" name="页脚占位符 4">
             <a:extLst>
               <a:ext uri="{FF2B5EF4-FFF2-40B4-BE49-F238E27FC236}">
-                <a16:creationId xmlns:a16="http://schemas.microsoft.com/office/drawing/2014/main" id="{6275B079-D01F-A19F-4FC0-83CB356B2841}"/>
+                <a16:creationId xmlns:a16="http://schemas.microsoft.com/office/drawing/2014/main" id="{4B3B1FC4-AE4C-DABA-5E0B-8EF724ABB49F}"/>
               </a:ext>
             </a:extLst>
           </p:cNvPr>
@@ -2958,7 +2958,7 @@
           <p:cNvPr id="6" name="灯片编号占位符 5">
             <a:extLst>
               <a:ext uri="{FF2B5EF4-FFF2-40B4-BE49-F238E27FC236}">
-                <a16:creationId xmlns:a16="http://schemas.microsoft.com/office/drawing/2014/main" id="{6A5325E7-E0E8-AE67-065B-6F11549F5068}"/>
+                <a16:creationId xmlns:a16="http://schemas.microsoft.com/office/drawing/2014/main" id="{3735DE53-3357-C9FB-FC65-23810BB01FCD}"/>
               </a:ext>
             </a:extLst>
           </p:cNvPr>
@@ -2992,7 +2992,7 @@
             </a:lvl1pPr>
           </a:lstStyle>
           <a:p>
-            <a:fld id="{76E5C41E-5AB4-46A5-8AD6-AAE0DB930E64}" type="slidenum">
+            <a:fld id="{AE63E022-C3EB-435F-A517-7AC6631D2DD2}" type="slidenum">
               <a:rPr lang="zh-CN" altLang="en-US" smtClean="0"/>
               <a:t>‹#›</a:t>
             </a:fld>
@@ -3003,7 +3003,7 @@
     </p:spTree>
     <p:extLst>
       <p:ext uri="{BB962C8B-B14F-4D97-AF65-F5344CB8AC3E}">
-        <p14:creationId xmlns:p14="http://schemas.microsoft.com/office/powerpoint/2010/main" val="65000047"/>
+        <p14:creationId xmlns:p14="http://schemas.microsoft.com/office/powerpoint/2010/main" val="919194947"/>
       </p:ext>
     </p:extLst>
   </p:cSld>
@@ -3323,7 +3323,7 @@
       </p:grpSpPr>
       <p:pic>
         <p:nvPicPr>
-          <p:cNvPr id="352258" name="Picture 2" descr="343"/>
+          <p:cNvPr id="353282" name="Picture 2" descr="344"/>
           <p:cNvPicPr>
             <a:picLocks noChangeAspect="1" noChangeArrowheads="1"/>
           </p:cNvPicPr>
